--- a/about_me.pptx
+++ b/about_me.pptx
@@ -197,7 +197,7 @@
           <a:p>
             <a:fld id="{84B07B8C-9FD8-4B51-83DB-FAE7B9BE41F2}" type="datetimeFigureOut">
               <a:rPr lang="zh-CN" altLang="en-US" smtClean="0"/>
-              <a:t>2018/7/30</a:t>
+              <a:t>2019/4/20</a:t>
             </a:fld>
             <a:endParaRPr lang="zh-CN" altLang="en-US"/>
           </a:p>
@@ -606,11 +606,7 @@
             </a:pPr>
             <a:r>
               <a:rPr lang="zh-CN" altLang="en-US" dirty="0" smtClean="0"/>
-              <a:t>陈震</a:t>
-            </a:r>
-            <a:r>
-              <a:rPr lang="zh-CN" altLang="en-US" dirty="0" smtClean="0"/>
-              <a:t>，</a:t>
+              <a:t>陈震，</a:t>
             </a:r>
             <a:r>
               <a:rPr lang="en-US" altLang="zh-CN" dirty="0" smtClean="0"/>
@@ -626,11 +622,7 @@
             </a:r>
             <a:r>
               <a:rPr lang="zh-CN" altLang="en-US" dirty="0" smtClean="0"/>
-              <a:t>年获得电子学会技术发明奖二等奖（第五完成人）。指导</a:t>
-            </a:r>
-            <a:r>
-              <a:rPr lang="zh-CN" altLang="en-US" dirty="0" smtClean="0"/>
-              <a:t>本科生科研训练计划，获得清华大学校优秀</a:t>
+              <a:t>年获得电子学会技术发明奖二等奖（第五完成人）。指导本科生科研训练计划，获得清华大学校优秀</a:t>
             </a:r>
             <a:r>
               <a:rPr lang="en-US" altLang="zh-CN" dirty="0" smtClean="0"/>
@@ -654,11 +646,7 @@
             </a:r>
             <a:r>
               <a:rPr lang="zh-CN" altLang="en-US" dirty="0" smtClean="0"/>
-              <a:t>项</a:t>
-            </a:r>
-            <a:r>
-              <a:rPr lang="zh-CN" altLang="en-US" dirty="0" smtClean="0"/>
-              <a:t>。</a:t>
+              <a:t>项。</a:t>
             </a:r>
             <a:endParaRPr lang="en-US" altLang="zh-CN" dirty="0" smtClean="0"/>
           </a:p>
@@ -688,11 +676,7 @@
             </a:pPr>
             <a:r>
               <a:rPr lang="zh-CN" altLang="en-US" dirty="0" smtClean="0"/>
-              <a:t>个人</a:t>
-            </a:r>
-            <a:r>
-              <a:rPr lang="zh-CN" altLang="en-US" dirty="0" smtClean="0"/>
-              <a:t>主页： </a:t>
+              <a:t>个人主页： </a:t>
             </a:r>
             <a:r>
               <a:rPr lang="en-US" altLang="zh-CN" dirty="0" smtClean="0"/>
@@ -890,7 +874,7 @@
           <a:p>
             <a:fld id="{FF651B3B-CBCB-4B19-9C76-C82B924904DD}" type="datetimeFigureOut">
               <a:rPr lang="zh-CN" altLang="en-US" smtClean="0"/>
-              <a:t>2018/7/30</a:t>
+              <a:t>2019/4/20</a:t>
             </a:fld>
             <a:endParaRPr lang="zh-CN" altLang="en-US"/>
           </a:p>
@@ -1060,7 +1044,7 @@
           <a:p>
             <a:fld id="{FF651B3B-CBCB-4B19-9C76-C82B924904DD}" type="datetimeFigureOut">
               <a:rPr lang="zh-CN" altLang="en-US" smtClean="0"/>
-              <a:t>2018/7/30</a:t>
+              <a:t>2019/4/20</a:t>
             </a:fld>
             <a:endParaRPr lang="zh-CN" altLang="en-US"/>
           </a:p>
@@ -1240,7 +1224,7 @@
           <a:p>
             <a:fld id="{FF651B3B-CBCB-4B19-9C76-C82B924904DD}" type="datetimeFigureOut">
               <a:rPr lang="zh-CN" altLang="en-US" smtClean="0"/>
-              <a:t>2018/7/30</a:t>
+              <a:t>2019/4/20</a:t>
             </a:fld>
             <a:endParaRPr lang="zh-CN" altLang="en-US"/>
           </a:p>
@@ -1410,7 +1394,7 @@
           <a:p>
             <a:fld id="{FF651B3B-CBCB-4B19-9C76-C82B924904DD}" type="datetimeFigureOut">
               <a:rPr lang="zh-CN" altLang="en-US" smtClean="0"/>
-              <a:t>2018/7/30</a:t>
+              <a:t>2019/4/20</a:t>
             </a:fld>
             <a:endParaRPr lang="zh-CN" altLang="en-US"/>
           </a:p>
@@ -1656,7 +1640,7 @@
           <a:p>
             <a:fld id="{FF651B3B-CBCB-4B19-9C76-C82B924904DD}" type="datetimeFigureOut">
               <a:rPr lang="zh-CN" altLang="en-US" smtClean="0"/>
-              <a:t>2018/7/30</a:t>
+              <a:t>2019/4/20</a:t>
             </a:fld>
             <a:endParaRPr lang="zh-CN" altLang="en-US"/>
           </a:p>
@@ -1888,7 +1872,7 @@
           <a:p>
             <a:fld id="{FF651B3B-CBCB-4B19-9C76-C82B924904DD}" type="datetimeFigureOut">
               <a:rPr lang="zh-CN" altLang="en-US" smtClean="0"/>
-              <a:t>2018/7/30</a:t>
+              <a:t>2019/4/20</a:t>
             </a:fld>
             <a:endParaRPr lang="zh-CN" altLang="en-US"/>
           </a:p>
@@ -2255,7 +2239,7 @@
           <a:p>
             <a:fld id="{FF651B3B-CBCB-4B19-9C76-C82B924904DD}" type="datetimeFigureOut">
               <a:rPr lang="zh-CN" altLang="en-US" smtClean="0"/>
-              <a:t>2018/7/30</a:t>
+              <a:t>2019/4/20</a:t>
             </a:fld>
             <a:endParaRPr lang="zh-CN" altLang="en-US"/>
           </a:p>
@@ -2373,7 +2357,7 @@
           <a:p>
             <a:fld id="{FF651B3B-CBCB-4B19-9C76-C82B924904DD}" type="datetimeFigureOut">
               <a:rPr lang="zh-CN" altLang="en-US" smtClean="0"/>
-              <a:t>2018/7/30</a:t>
+              <a:t>2019/4/20</a:t>
             </a:fld>
             <a:endParaRPr lang="zh-CN" altLang="en-US"/>
           </a:p>
@@ -2468,7 +2452,7 @@
           <a:p>
             <a:fld id="{FF651B3B-CBCB-4B19-9C76-C82B924904DD}" type="datetimeFigureOut">
               <a:rPr lang="zh-CN" altLang="en-US" smtClean="0"/>
-              <a:t>2018/7/30</a:t>
+              <a:t>2019/4/20</a:t>
             </a:fld>
             <a:endParaRPr lang="zh-CN" altLang="en-US"/>
           </a:p>
@@ -2745,7 +2729,7 @@
           <a:p>
             <a:fld id="{FF651B3B-CBCB-4B19-9C76-C82B924904DD}" type="datetimeFigureOut">
               <a:rPr lang="zh-CN" altLang="en-US" smtClean="0"/>
-              <a:t>2018/7/30</a:t>
+              <a:t>2019/4/20</a:t>
             </a:fld>
             <a:endParaRPr lang="zh-CN" altLang="en-US"/>
           </a:p>
@@ -2998,7 +2982,7 @@
           <a:p>
             <a:fld id="{FF651B3B-CBCB-4B19-9C76-C82B924904DD}" type="datetimeFigureOut">
               <a:rPr lang="zh-CN" altLang="en-US" smtClean="0"/>
-              <a:t>2018/7/30</a:t>
+              <a:t>2019/4/20</a:t>
             </a:fld>
             <a:endParaRPr lang="zh-CN" altLang="en-US"/>
           </a:p>
@@ -3211,7 +3195,7 @@
           <a:p>
             <a:fld id="{FF651B3B-CBCB-4B19-9C76-C82B924904DD}" type="datetimeFigureOut">
               <a:rPr lang="zh-CN" altLang="en-US" smtClean="0"/>
-              <a:t>2018/7/30</a:t>
+              <a:t>2019/4/20</a:t>
             </a:fld>
             <a:endParaRPr lang="zh-CN" altLang="en-US"/>
           </a:p>
@@ -3669,7 +3653,14 @@
           <a:lstStyle/>
           <a:p>
             <a:r>
-              <a:rPr lang="zh-CN" altLang="en-US" dirty="0"/>
+              <a:rPr lang="zh-CN" altLang="en-US" dirty="0" smtClean="0"/>
+              <a:t>高级工程师、副研究员</a:t>
+            </a:r>
+            <a:endParaRPr lang="en-US" altLang="zh-CN" dirty="0" smtClean="0"/>
+          </a:p>
+          <a:p>
+            <a:r>
+              <a:rPr lang="zh-CN" altLang="en-US" dirty="0" smtClean="0"/>
               <a:t>研究</a:t>
             </a:r>
             <a:r>

--- a/about_me.pptx
+++ b/about_me.pptx
@@ -197,7 +197,7 @@
           <a:p>
             <a:fld id="{84B07B8C-9FD8-4B51-83DB-FAE7B9BE41F2}" type="datetimeFigureOut">
               <a:rPr lang="zh-CN" altLang="en-US" smtClean="0"/>
-              <a:t>2019/4/20</a:t>
+              <a:t>2019/8/2</a:t>
             </a:fld>
             <a:endParaRPr lang="zh-CN" altLang="en-US"/>
           </a:p>
@@ -874,7 +874,7 @@
           <a:p>
             <a:fld id="{FF651B3B-CBCB-4B19-9C76-C82B924904DD}" type="datetimeFigureOut">
               <a:rPr lang="zh-CN" altLang="en-US" smtClean="0"/>
-              <a:t>2019/4/20</a:t>
+              <a:t>2019/8/2</a:t>
             </a:fld>
             <a:endParaRPr lang="zh-CN" altLang="en-US"/>
           </a:p>
@@ -1044,7 +1044,7 @@
           <a:p>
             <a:fld id="{FF651B3B-CBCB-4B19-9C76-C82B924904DD}" type="datetimeFigureOut">
               <a:rPr lang="zh-CN" altLang="en-US" smtClean="0"/>
-              <a:t>2019/4/20</a:t>
+              <a:t>2019/8/2</a:t>
             </a:fld>
             <a:endParaRPr lang="zh-CN" altLang="en-US"/>
           </a:p>
@@ -1224,7 +1224,7 @@
           <a:p>
             <a:fld id="{FF651B3B-CBCB-4B19-9C76-C82B924904DD}" type="datetimeFigureOut">
               <a:rPr lang="zh-CN" altLang="en-US" smtClean="0"/>
-              <a:t>2019/4/20</a:t>
+              <a:t>2019/8/2</a:t>
             </a:fld>
             <a:endParaRPr lang="zh-CN" altLang="en-US"/>
           </a:p>
@@ -1394,7 +1394,7 @@
           <a:p>
             <a:fld id="{FF651B3B-CBCB-4B19-9C76-C82B924904DD}" type="datetimeFigureOut">
               <a:rPr lang="zh-CN" altLang="en-US" smtClean="0"/>
-              <a:t>2019/4/20</a:t>
+              <a:t>2019/8/2</a:t>
             </a:fld>
             <a:endParaRPr lang="zh-CN" altLang="en-US"/>
           </a:p>
@@ -1640,7 +1640,7 @@
           <a:p>
             <a:fld id="{FF651B3B-CBCB-4B19-9C76-C82B924904DD}" type="datetimeFigureOut">
               <a:rPr lang="zh-CN" altLang="en-US" smtClean="0"/>
-              <a:t>2019/4/20</a:t>
+              <a:t>2019/8/2</a:t>
             </a:fld>
             <a:endParaRPr lang="zh-CN" altLang="en-US"/>
           </a:p>
@@ -1872,7 +1872,7 @@
           <a:p>
             <a:fld id="{FF651B3B-CBCB-4B19-9C76-C82B924904DD}" type="datetimeFigureOut">
               <a:rPr lang="zh-CN" altLang="en-US" smtClean="0"/>
-              <a:t>2019/4/20</a:t>
+              <a:t>2019/8/2</a:t>
             </a:fld>
             <a:endParaRPr lang="zh-CN" altLang="en-US"/>
           </a:p>
@@ -2239,7 +2239,7 @@
           <a:p>
             <a:fld id="{FF651B3B-CBCB-4B19-9C76-C82B924904DD}" type="datetimeFigureOut">
               <a:rPr lang="zh-CN" altLang="en-US" smtClean="0"/>
-              <a:t>2019/4/20</a:t>
+              <a:t>2019/8/2</a:t>
             </a:fld>
             <a:endParaRPr lang="zh-CN" altLang="en-US"/>
           </a:p>
@@ -2357,7 +2357,7 @@
           <a:p>
             <a:fld id="{FF651B3B-CBCB-4B19-9C76-C82B924904DD}" type="datetimeFigureOut">
               <a:rPr lang="zh-CN" altLang="en-US" smtClean="0"/>
-              <a:t>2019/4/20</a:t>
+              <a:t>2019/8/2</a:t>
             </a:fld>
             <a:endParaRPr lang="zh-CN" altLang="en-US"/>
           </a:p>
@@ -2452,7 +2452,7 @@
           <a:p>
             <a:fld id="{FF651B3B-CBCB-4B19-9C76-C82B924904DD}" type="datetimeFigureOut">
               <a:rPr lang="zh-CN" altLang="en-US" smtClean="0"/>
-              <a:t>2019/4/20</a:t>
+              <a:t>2019/8/2</a:t>
             </a:fld>
             <a:endParaRPr lang="zh-CN" altLang="en-US"/>
           </a:p>
@@ -2729,7 +2729,7 @@
           <a:p>
             <a:fld id="{FF651B3B-CBCB-4B19-9C76-C82B924904DD}" type="datetimeFigureOut">
               <a:rPr lang="zh-CN" altLang="en-US" smtClean="0"/>
-              <a:t>2019/4/20</a:t>
+              <a:t>2019/8/2</a:t>
             </a:fld>
             <a:endParaRPr lang="zh-CN" altLang="en-US"/>
           </a:p>
@@ -2982,7 +2982,7 @@
           <a:p>
             <a:fld id="{FF651B3B-CBCB-4B19-9C76-C82B924904DD}" type="datetimeFigureOut">
               <a:rPr lang="zh-CN" altLang="en-US" smtClean="0"/>
-              <a:t>2019/4/20</a:t>
+              <a:t>2019/8/2</a:t>
             </a:fld>
             <a:endParaRPr lang="zh-CN" altLang="en-US"/>
           </a:p>
@@ -3195,7 +3195,7 @@
           <a:p>
             <a:fld id="{FF651B3B-CBCB-4B19-9C76-C82B924904DD}" type="datetimeFigureOut">
               <a:rPr lang="zh-CN" altLang="en-US" smtClean="0"/>
-              <a:t>2019/4/20</a:t>
+              <a:t>2019/8/2</a:t>
             </a:fld>
             <a:endParaRPr lang="zh-CN" altLang="en-US"/>
           </a:p>
@@ -3643,7 +3643,7 @@
         <p:spPr>
           <a:xfrm>
             <a:off x="769748" y="1348510"/>
-            <a:ext cx="7432143" cy="5033704"/>
+            <a:ext cx="7432143" cy="5093233"/>
           </a:xfrm>
         </p:spPr>
         <p:txBody>
@@ -3661,11 +3661,7 @@
           <a:p>
             <a:r>
               <a:rPr lang="zh-CN" altLang="en-US" dirty="0" smtClean="0"/>
-              <a:t>研究</a:t>
-            </a:r>
-            <a:r>
-              <a:rPr lang="zh-CN" altLang="en-US" dirty="0" smtClean="0"/>
-              <a:t>经历</a:t>
+              <a:t>研究经历</a:t>
             </a:r>
             <a:endParaRPr lang="en-US" altLang="zh-CN" dirty="0"/>
           </a:p>
@@ -3790,67 +3786,23 @@
               <a:rPr lang="zh-CN" altLang="en-US" dirty="0" smtClean="0"/>
               <a:t>处理</a:t>
             </a:r>
-            <a:r>
-              <a:rPr lang="en-US" altLang="zh-CN" dirty="0" smtClean="0"/>
-              <a:t>\</a:t>
-            </a:r>
+            <a:endParaRPr lang="en-US" altLang="zh-CN" dirty="0" smtClean="0"/>
+          </a:p>
+          <a:p>
+            <a:pPr lvl="1"/>
             <a:r>
               <a:rPr lang="zh-CN" altLang="en-US" dirty="0" smtClean="0"/>
               <a:t>数据管理</a:t>
             </a:r>
-            <a:r>
-              <a:rPr lang="en-US" altLang="zh-CN" dirty="0" smtClean="0"/>
-              <a:t>\</a:t>
-            </a:r>
+            <a:endParaRPr lang="en-US" altLang="zh-CN" dirty="0" smtClean="0"/>
+          </a:p>
+          <a:p>
+            <a:pPr lvl="1"/>
             <a:r>
               <a:rPr lang="zh-CN" altLang="en-US" dirty="0" smtClean="0"/>
               <a:t>计算机网络</a:t>
             </a:r>
             <a:endParaRPr lang="en-US" altLang="zh-CN" dirty="0" smtClean="0"/>
-          </a:p>
-          <a:p>
-            <a:pPr>
-              <a:defRPr/>
-            </a:pPr>
-            <a:r>
-              <a:rPr lang="zh-CN" altLang="en-US" dirty="0" smtClean="0"/>
-              <a:t>教育经历</a:t>
-            </a:r>
-            <a:endParaRPr lang="en-US" altLang="zh-CN" dirty="0" smtClean="0"/>
-          </a:p>
-          <a:p>
-            <a:pPr lvl="1">
-              <a:defRPr/>
-            </a:pPr>
-            <a:r>
-              <a:rPr lang="en-US" altLang="zh-CN" dirty="0" smtClean="0"/>
-              <a:t>1994</a:t>
-            </a:r>
-            <a:r>
-              <a:rPr lang="zh-CN" altLang="en-US" dirty="0" smtClean="0"/>
-              <a:t>年</a:t>
-            </a:r>
-            <a:r>
-              <a:rPr lang="en-US" altLang="zh-CN" dirty="0" smtClean="0"/>
-              <a:t>-2004</a:t>
-            </a:r>
-            <a:r>
-              <a:rPr lang="zh-CN" altLang="en-US" dirty="0"/>
-              <a:t>年， </a:t>
-            </a:r>
-            <a:r>
-              <a:rPr lang="zh-CN" altLang="en-US" dirty="0" smtClean="0"/>
-              <a:t>西安电子科大，本</a:t>
-            </a:r>
-            <a:r>
-              <a:rPr lang="zh-CN" altLang="en-US" dirty="0"/>
-              <a:t>硕</a:t>
-            </a:r>
-            <a:r>
-              <a:rPr lang="zh-CN" altLang="en-US" dirty="0" smtClean="0"/>
-              <a:t>博</a:t>
-            </a:r>
-            <a:endParaRPr lang="en-US" altLang="zh-CN" sz="2200" dirty="0"/>
           </a:p>
         </p:txBody>
       </p:sp>
